--- a/doc/ClassIntro_web.pptx
+++ b/doc/ClassIntro_web.pptx
@@ -139,6 +139,146 @@
 <file path=ppt/changesInfos/changesInfo1.xml><?xml version="1.0" encoding="utf-8"?>
 <pc:chgInfo xmlns:a="http://schemas.openxmlformats.org/drawingml/2006/main" xmlns:r="http://schemas.openxmlformats.org/officeDocument/2006/relationships" xmlns:ac="http://schemas.microsoft.com/office/drawing/2013/main/command" xmlns:pc="http://schemas.microsoft.com/office/powerpoint/2013/main/command">
   <pc:docChgLst>
+    <pc:chgData name="卜 磊" userId="60966cc8-180e-4341-bff0-8a9e77ae954e" providerId="ADAL" clId="{2709AE0F-F154-D940-8EBE-14C38E9411D2}"/>
+    <pc:docChg chg="custSel modSld">
+      <pc:chgData name="卜 磊" userId="60966cc8-180e-4341-bff0-8a9e77ae954e" providerId="ADAL" clId="{2709AE0F-F154-D940-8EBE-14C38E9411D2}" dt="2024-09-03T05:08:21.945" v="91" actId="20577"/>
+      <pc:docMkLst>
+        <pc:docMk/>
+      </pc:docMkLst>
+      <pc:sldChg chg="modSp mod modNotesTx">
+        <pc:chgData name="卜 磊" userId="60966cc8-180e-4341-bff0-8a9e77ae954e" providerId="ADAL" clId="{2709AE0F-F154-D940-8EBE-14C38E9411D2}" dt="2024-09-03T05:08:21.945" v="91" actId="20577"/>
+        <pc:sldMkLst>
+          <pc:docMk/>
+          <pc:sldMk cId="833080365" sldId="256"/>
+        </pc:sldMkLst>
+        <pc:spChg chg="mod">
+          <ac:chgData name="卜 磊" userId="60966cc8-180e-4341-bff0-8a9e77ae954e" providerId="ADAL" clId="{2709AE0F-F154-D940-8EBE-14C38E9411D2}" dt="2024-09-03T05:08:21.945" v="91" actId="20577"/>
+          <ac:spMkLst>
+            <pc:docMk/>
+            <pc:sldMk cId="833080365" sldId="256"/>
+            <ac:spMk id="3" creationId="{00000000-0000-0000-0000-000000000000}"/>
+          </ac:spMkLst>
+        </pc:spChg>
+      </pc:sldChg>
+      <pc:sldChg chg="modSp mod">
+        <pc:chgData name="卜 磊" userId="60966cc8-180e-4341-bff0-8a9e77ae954e" providerId="ADAL" clId="{2709AE0F-F154-D940-8EBE-14C38E9411D2}" dt="2024-09-03T05:05:11.699" v="34" actId="113"/>
+        <pc:sldMkLst>
+          <pc:docMk/>
+          <pc:sldMk cId="3104389184" sldId="266"/>
+        </pc:sldMkLst>
+        <pc:spChg chg="mod">
+          <ac:chgData name="卜 磊" userId="60966cc8-180e-4341-bff0-8a9e77ae954e" providerId="ADAL" clId="{2709AE0F-F154-D940-8EBE-14C38E9411D2}" dt="2024-09-03T05:05:11.699" v="34" actId="113"/>
+          <ac:spMkLst>
+            <pc:docMk/>
+            <pc:sldMk cId="3104389184" sldId="266"/>
+            <ac:spMk id="3" creationId="{59CF8209-A4AA-4A6C-B7D8-1675BB274EF3}"/>
+          </ac:spMkLst>
+        </pc:spChg>
+      </pc:sldChg>
+    </pc:docChg>
+  </pc:docChgLst>
+  <pc:docChgLst>
+    <pc:chgData name="卜磊" userId="b5f26d64-c056-4d23-adbc-23ae7424aba9" providerId="ADAL" clId="{7699EF6B-DC24-2143-8353-5713CF7EE30E}"/>
+    <pc:docChg chg="custSel modSld">
+      <pc:chgData name="卜磊" userId="b5f26d64-c056-4d23-adbc-23ae7424aba9" providerId="ADAL" clId="{7699EF6B-DC24-2143-8353-5713CF7EE30E}" dt="2023-09-05T10:27:39.857" v="31" actId="27636"/>
+      <pc:docMkLst>
+        <pc:docMk/>
+      </pc:docMkLst>
+      <pc:sldChg chg="modSp mod">
+        <pc:chgData name="卜磊" userId="b5f26d64-c056-4d23-adbc-23ae7424aba9" providerId="ADAL" clId="{7699EF6B-DC24-2143-8353-5713CF7EE30E}" dt="2023-09-04T16:06:14.336" v="29" actId="27636"/>
+        <pc:sldMkLst>
+          <pc:docMk/>
+          <pc:sldMk cId="833080365" sldId="256"/>
+        </pc:sldMkLst>
+        <pc:spChg chg="mod">
+          <ac:chgData name="卜磊" userId="b5f26d64-c056-4d23-adbc-23ae7424aba9" providerId="ADAL" clId="{7699EF6B-DC24-2143-8353-5713CF7EE30E}" dt="2023-09-04T16:06:14.336" v="29" actId="27636"/>
+          <ac:spMkLst>
+            <pc:docMk/>
+            <pc:sldMk cId="833080365" sldId="256"/>
+            <ac:spMk id="3" creationId="{00000000-0000-0000-0000-000000000000}"/>
+          </ac:spMkLst>
+        </pc:spChg>
+      </pc:sldChg>
+      <pc:sldChg chg="modSp mod">
+        <pc:chgData name="卜磊" userId="b5f26d64-c056-4d23-adbc-23ae7424aba9" providerId="ADAL" clId="{7699EF6B-DC24-2143-8353-5713CF7EE30E}" dt="2023-09-05T10:27:39.857" v="31" actId="27636"/>
+        <pc:sldMkLst>
+          <pc:docMk/>
+          <pc:sldMk cId="3066885629" sldId="265"/>
+        </pc:sldMkLst>
+        <pc:spChg chg="mod">
+          <ac:chgData name="卜磊" userId="b5f26d64-c056-4d23-adbc-23ae7424aba9" providerId="ADAL" clId="{7699EF6B-DC24-2143-8353-5713CF7EE30E}" dt="2023-09-05T10:27:39.857" v="31" actId="27636"/>
+          <ac:spMkLst>
+            <pc:docMk/>
+            <pc:sldMk cId="3066885629" sldId="265"/>
+            <ac:spMk id="3" creationId="{00000000-0000-0000-0000-000000000000}"/>
+          </ac:spMkLst>
+        </pc:spChg>
+      </pc:sldChg>
+      <pc:sldChg chg="delSp modSp mod">
+        <pc:chgData name="卜磊" userId="b5f26d64-c056-4d23-adbc-23ae7424aba9" providerId="ADAL" clId="{7699EF6B-DC24-2143-8353-5713CF7EE30E}" dt="2023-09-04T16:00:35.895" v="5" actId="20577"/>
+        <pc:sldMkLst>
+          <pc:docMk/>
+          <pc:sldMk cId="3104389184" sldId="266"/>
+        </pc:sldMkLst>
+        <pc:spChg chg="mod">
+          <ac:chgData name="卜磊" userId="b5f26d64-c056-4d23-adbc-23ae7424aba9" providerId="ADAL" clId="{7699EF6B-DC24-2143-8353-5713CF7EE30E}" dt="2023-09-04T16:00:35.895" v="5" actId="20577"/>
+          <ac:spMkLst>
+            <pc:docMk/>
+            <pc:sldMk cId="3104389184" sldId="266"/>
+            <ac:spMk id="3" creationId="{59CF8209-A4AA-4A6C-B7D8-1675BB274EF3}"/>
+          </ac:spMkLst>
+        </pc:spChg>
+        <pc:picChg chg="del">
+          <ac:chgData name="卜磊" userId="b5f26d64-c056-4d23-adbc-23ae7424aba9" providerId="ADAL" clId="{7699EF6B-DC24-2143-8353-5713CF7EE30E}" dt="2023-09-04T16:00:00.914" v="0" actId="478"/>
+          <ac:picMkLst>
+            <pc:docMk/>
+            <pc:sldMk cId="3104389184" sldId="266"/>
+            <ac:picMk id="5" creationId="{7B503336-F4B7-4CE9-B1DE-3B82C4308A1B}"/>
+          </ac:picMkLst>
+        </pc:picChg>
+      </pc:sldChg>
+    </pc:docChg>
+  </pc:docChgLst>
+  <pc:docChgLst>
+    <pc:chgData name="卜磊" userId="b5f26d64-c056-4d23-adbc-23ae7424aba9" providerId="ADAL" clId="{FB079EC8-98BE-474D-BAB0-CA19957D4EEE}"/>
+    <pc:docChg chg="custSel modSld">
+      <pc:chgData name="卜磊" userId="b5f26d64-c056-4d23-adbc-23ae7424aba9" providerId="ADAL" clId="{FB079EC8-98BE-474D-BAB0-CA19957D4EEE}" dt="2022-09-05T05:31:10.672" v="20" actId="20577"/>
+      <pc:docMkLst>
+        <pc:docMk/>
+      </pc:docMkLst>
+      <pc:sldChg chg="modSp mod">
+        <pc:chgData name="卜磊" userId="b5f26d64-c056-4d23-adbc-23ae7424aba9" providerId="ADAL" clId="{FB079EC8-98BE-474D-BAB0-CA19957D4EEE}" dt="2022-09-04T05:03:28.197" v="18" actId="27636"/>
+        <pc:sldMkLst>
+          <pc:docMk/>
+          <pc:sldMk cId="833080365" sldId="256"/>
+        </pc:sldMkLst>
+        <pc:spChg chg="mod">
+          <ac:chgData name="卜磊" userId="b5f26d64-c056-4d23-adbc-23ae7424aba9" providerId="ADAL" clId="{FB079EC8-98BE-474D-BAB0-CA19957D4EEE}" dt="2022-09-04T05:03:28.197" v="18" actId="27636"/>
+          <ac:spMkLst>
+            <pc:docMk/>
+            <pc:sldMk cId="833080365" sldId="256"/>
+            <ac:spMk id="3" creationId="{00000000-0000-0000-0000-000000000000}"/>
+          </ac:spMkLst>
+        </pc:spChg>
+      </pc:sldChg>
+      <pc:sldChg chg="modSp mod">
+        <pc:chgData name="卜磊" userId="b5f26d64-c056-4d23-adbc-23ae7424aba9" providerId="ADAL" clId="{FB079EC8-98BE-474D-BAB0-CA19957D4EEE}" dt="2022-09-05T05:31:10.672" v="20" actId="20577"/>
+        <pc:sldMkLst>
+          <pc:docMk/>
+          <pc:sldMk cId="3066885629" sldId="265"/>
+        </pc:sldMkLst>
+        <pc:spChg chg="mod">
+          <ac:chgData name="卜磊" userId="b5f26d64-c056-4d23-adbc-23ae7424aba9" providerId="ADAL" clId="{FB079EC8-98BE-474D-BAB0-CA19957D4EEE}" dt="2022-09-05T05:31:10.672" v="20" actId="20577"/>
+          <ac:spMkLst>
+            <pc:docMk/>
+            <pc:sldMk cId="3066885629" sldId="265"/>
+            <ac:spMk id="3" creationId="{00000000-0000-0000-0000-000000000000}"/>
+          </ac:spMkLst>
+        </pc:spChg>
+      </pc:sldChg>
+    </pc:docChg>
+  </pc:docChgLst>
+  <pc:docChgLst>
     <pc:chgData name="卜磊" userId="b5f26d64-c056-4d23-adbc-23ae7424aba9" providerId="ADAL" clId="{CBEFB691-70BC-B045-BC42-CC12E9696BD2}"/>
     <pc:docChg chg="custSel modSld">
       <pc:chgData name="卜磊" userId="b5f26d64-c056-4d23-adbc-23ae7424aba9" providerId="ADAL" clId="{CBEFB691-70BC-B045-BC42-CC12E9696BD2}" dt="2023-09-04T15:59:23.906" v="66" actId="20577"/>
@@ -206,45 +346,6 @@
             <ac:picMk id="5" creationId="{7B503336-F4B7-4CE9-B1DE-3B82C4308A1B}"/>
           </ac:picMkLst>
         </pc:picChg>
-      </pc:sldChg>
-    </pc:docChg>
-  </pc:docChgLst>
-  <pc:docChgLst>
-    <pc:chgData name="卜磊" userId="b5f26d64-c056-4d23-adbc-23ae7424aba9" providerId="ADAL" clId="{FB079EC8-98BE-474D-BAB0-CA19957D4EEE}"/>
-    <pc:docChg chg="custSel modSld">
-      <pc:chgData name="卜磊" userId="b5f26d64-c056-4d23-adbc-23ae7424aba9" providerId="ADAL" clId="{FB079EC8-98BE-474D-BAB0-CA19957D4EEE}" dt="2022-09-05T05:31:10.672" v="20" actId="20577"/>
-      <pc:docMkLst>
-        <pc:docMk/>
-      </pc:docMkLst>
-      <pc:sldChg chg="modSp mod">
-        <pc:chgData name="卜磊" userId="b5f26d64-c056-4d23-adbc-23ae7424aba9" providerId="ADAL" clId="{FB079EC8-98BE-474D-BAB0-CA19957D4EEE}" dt="2022-09-04T05:03:28.197" v="18" actId="27636"/>
-        <pc:sldMkLst>
-          <pc:docMk/>
-          <pc:sldMk cId="833080365" sldId="256"/>
-        </pc:sldMkLst>
-        <pc:spChg chg="mod">
-          <ac:chgData name="卜磊" userId="b5f26d64-c056-4d23-adbc-23ae7424aba9" providerId="ADAL" clId="{FB079EC8-98BE-474D-BAB0-CA19957D4EEE}" dt="2022-09-04T05:03:28.197" v="18" actId="27636"/>
-          <ac:spMkLst>
-            <pc:docMk/>
-            <pc:sldMk cId="833080365" sldId="256"/>
-            <ac:spMk id="3" creationId="{00000000-0000-0000-0000-000000000000}"/>
-          </ac:spMkLst>
-        </pc:spChg>
-      </pc:sldChg>
-      <pc:sldChg chg="modSp mod">
-        <pc:chgData name="卜磊" userId="b5f26d64-c056-4d23-adbc-23ae7424aba9" providerId="ADAL" clId="{FB079EC8-98BE-474D-BAB0-CA19957D4EEE}" dt="2022-09-05T05:31:10.672" v="20" actId="20577"/>
-        <pc:sldMkLst>
-          <pc:docMk/>
-          <pc:sldMk cId="3066885629" sldId="265"/>
-        </pc:sldMkLst>
-        <pc:spChg chg="mod">
-          <ac:chgData name="卜磊" userId="b5f26d64-c056-4d23-adbc-23ae7424aba9" providerId="ADAL" clId="{FB079EC8-98BE-474D-BAB0-CA19957D4EEE}" dt="2022-09-05T05:31:10.672" v="20" actId="20577"/>
-          <ac:spMkLst>
-            <pc:docMk/>
-            <pc:sldMk cId="3066885629" sldId="265"/>
-            <ac:spMk id="3" creationId="{00000000-0000-0000-0000-000000000000}"/>
-          </ac:spMkLst>
-        </pc:spChg>
       </pc:sldChg>
     </pc:docChg>
   </pc:docChgLst>
@@ -326,107 +427,6 @@
       </pc:sldChg>
     </pc:docChg>
   </pc:docChgLst>
-  <pc:docChgLst>
-    <pc:chgData name="卜磊" userId="b5f26d64-c056-4d23-adbc-23ae7424aba9" providerId="ADAL" clId="{7699EF6B-DC24-2143-8353-5713CF7EE30E}"/>
-    <pc:docChg chg="custSel modSld">
-      <pc:chgData name="卜磊" userId="b5f26d64-c056-4d23-adbc-23ae7424aba9" providerId="ADAL" clId="{7699EF6B-DC24-2143-8353-5713CF7EE30E}" dt="2023-09-05T10:27:39.857" v="31" actId="27636"/>
-      <pc:docMkLst>
-        <pc:docMk/>
-      </pc:docMkLst>
-      <pc:sldChg chg="modSp mod">
-        <pc:chgData name="卜磊" userId="b5f26d64-c056-4d23-adbc-23ae7424aba9" providerId="ADAL" clId="{7699EF6B-DC24-2143-8353-5713CF7EE30E}" dt="2023-09-04T16:06:14.336" v="29" actId="27636"/>
-        <pc:sldMkLst>
-          <pc:docMk/>
-          <pc:sldMk cId="833080365" sldId="256"/>
-        </pc:sldMkLst>
-        <pc:spChg chg="mod">
-          <ac:chgData name="卜磊" userId="b5f26d64-c056-4d23-adbc-23ae7424aba9" providerId="ADAL" clId="{7699EF6B-DC24-2143-8353-5713CF7EE30E}" dt="2023-09-04T16:06:14.336" v="29" actId="27636"/>
-          <ac:spMkLst>
-            <pc:docMk/>
-            <pc:sldMk cId="833080365" sldId="256"/>
-            <ac:spMk id="3" creationId="{00000000-0000-0000-0000-000000000000}"/>
-          </ac:spMkLst>
-        </pc:spChg>
-      </pc:sldChg>
-      <pc:sldChg chg="modSp mod">
-        <pc:chgData name="卜磊" userId="b5f26d64-c056-4d23-adbc-23ae7424aba9" providerId="ADAL" clId="{7699EF6B-DC24-2143-8353-5713CF7EE30E}" dt="2023-09-05T10:27:39.857" v="31" actId="27636"/>
-        <pc:sldMkLst>
-          <pc:docMk/>
-          <pc:sldMk cId="3066885629" sldId="265"/>
-        </pc:sldMkLst>
-        <pc:spChg chg="mod">
-          <ac:chgData name="卜磊" userId="b5f26d64-c056-4d23-adbc-23ae7424aba9" providerId="ADAL" clId="{7699EF6B-DC24-2143-8353-5713CF7EE30E}" dt="2023-09-05T10:27:39.857" v="31" actId="27636"/>
-          <ac:spMkLst>
-            <pc:docMk/>
-            <pc:sldMk cId="3066885629" sldId="265"/>
-            <ac:spMk id="3" creationId="{00000000-0000-0000-0000-000000000000}"/>
-          </ac:spMkLst>
-        </pc:spChg>
-      </pc:sldChg>
-      <pc:sldChg chg="delSp modSp mod">
-        <pc:chgData name="卜磊" userId="b5f26d64-c056-4d23-adbc-23ae7424aba9" providerId="ADAL" clId="{7699EF6B-DC24-2143-8353-5713CF7EE30E}" dt="2023-09-04T16:00:35.895" v="5" actId="20577"/>
-        <pc:sldMkLst>
-          <pc:docMk/>
-          <pc:sldMk cId="3104389184" sldId="266"/>
-        </pc:sldMkLst>
-        <pc:spChg chg="mod">
-          <ac:chgData name="卜磊" userId="b5f26d64-c056-4d23-adbc-23ae7424aba9" providerId="ADAL" clId="{7699EF6B-DC24-2143-8353-5713CF7EE30E}" dt="2023-09-04T16:00:35.895" v="5" actId="20577"/>
-          <ac:spMkLst>
-            <pc:docMk/>
-            <pc:sldMk cId="3104389184" sldId="266"/>
-            <ac:spMk id="3" creationId="{59CF8209-A4AA-4A6C-B7D8-1675BB274EF3}"/>
-          </ac:spMkLst>
-        </pc:spChg>
-        <pc:picChg chg="del">
-          <ac:chgData name="卜磊" userId="b5f26d64-c056-4d23-adbc-23ae7424aba9" providerId="ADAL" clId="{7699EF6B-DC24-2143-8353-5713CF7EE30E}" dt="2023-09-04T16:00:00.914" v="0" actId="478"/>
-          <ac:picMkLst>
-            <pc:docMk/>
-            <pc:sldMk cId="3104389184" sldId="266"/>
-            <ac:picMk id="5" creationId="{7B503336-F4B7-4CE9-B1DE-3B82C4308A1B}"/>
-          </ac:picMkLst>
-        </pc:picChg>
-      </pc:sldChg>
-    </pc:docChg>
-  </pc:docChgLst>
-  <pc:docChgLst>
-    <pc:chgData name="卜 磊" userId="60966cc8-180e-4341-bff0-8a9e77ae954e" providerId="ADAL" clId="{2709AE0F-F154-D940-8EBE-14C38E9411D2}"/>
-    <pc:docChg chg="custSel modSld">
-      <pc:chgData name="卜 磊" userId="60966cc8-180e-4341-bff0-8a9e77ae954e" providerId="ADAL" clId="{2709AE0F-F154-D940-8EBE-14C38E9411D2}" dt="2024-09-03T05:08:21.945" v="91" actId="20577"/>
-      <pc:docMkLst>
-        <pc:docMk/>
-      </pc:docMkLst>
-      <pc:sldChg chg="modSp mod modNotesTx">
-        <pc:chgData name="卜 磊" userId="60966cc8-180e-4341-bff0-8a9e77ae954e" providerId="ADAL" clId="{2709AE0F-F154-D940-8EBE-14C38E9411D2}" dt="2024-09-03T05:08:21.945" v="91" actId="20577"/>
-        <pc:sldMkLst>
-          <pc:docMk/>
-          <pc:sldMk cId="833080365" sldId="256"/>
-        </pc:sldMkLst>
-        <pc:spChg chg="mod">
-          <ac:chgData name="卜 磊" userId="60966cc8-180e-4341-bff0-8a9e77ae954e" providerId="ADAL" clId="{2709AE0F-F154-D940-8EBE-14C38E9411D2}" dt="2024-09-03T05:08:21.945" v="91" actId="20577"/>
-          <ac:spMkLst>
-            <pc:docMk/>
-            <pc:sldMk cId="833080365" sldId="256"/>
-            <ac:spMk id="3" creationId="{00000000-0000-0000-0000-000000000000}"/>
-          </ac:spMkLst>
-        </pc:spChg>
-      </pc:sldChg>
-      <pc:sldChg chg="modSp mod">
-        <pc:chgData name="卜 磊" userId="60966cc8-180e-4341-bff0-8a9e77ae954e" providerId="ADAL" clId="{2709AE0F-F154-D940-8EBE-14C38E9411D2}" dt="2024-09-03T05:05:11.699" v="34" actId="113"/>
-        <pc:sldMkLst>
-          <pc:docMk/>
-          <pc:sldMk cId="3104389184" sldId="266"/>
-        </pc:sldMkLst>
-        <pc:spChg chg="mod">
-          <ac:chgData name="卜 磊" userId="60966cc8-180e-4341-bff0-8a9e77ae954e" providerId="ADAL" clId="{2709AE0F-F154-D940-8EBE-14C38E9411D2}" dt="2024-09-03T05:05:11.699" v="34" actId="113"/>
-          <ac:spMkLst>
-            <pc:docMk/>
-            <pc:sldMk cId="3104389184" sldId="266"/>
-            <ac:spMk id="3" creationId="{59CF8209-A4AA-4A6C-B7D8-1675BB274EF3}"/>
-          </ac:spMkLst>
-        </pc:spChg>
-      </pc:sldChg>
-    </pc:docChg>
-  </pc:docChgLst>
 </pc:chgInfo>
 </file>
 
@@ -512,7 +512,7 @@
           <a:p>
             <a:fld id="{5E91A5C7-AB10-554C-A996-9498EA6F51B3}" type="datetimeFigureOut">
               <a:rPr lang="en-US" smtClean="0"/>
-              <a:t>9/3/24</a:t>
+              <a:t>8/26/25</a:t>
             </a:fld>
             <a:endParaRPr lang="en-US"/>
           </a:p>
@@ -924,7 +924,7 @@
           <a:ln/>
           <a:extLst>
             <a:ext uri="{FAA26D3D-D897-4be2-8F04-BA451C77F1D7}">
-              <ma14:placeholderFlag xmlns="" xmlns:ma14="http://schemas.microsoft.com/office/mac/drawingml/2011/main" val="1"/>
+              <ma14:placeholderFlag xmlns:ma14="http://schemas.microsoft.com/office/mac/drawingml/2011/main" xmlns="" val="1"/>
             </a:ext>
           </a:extLst>
         </p:spPr>
@@ -1018,7 +1018,7 @@
           <a:ln/>
           <a:extLst>
             <a:ext uri="{FAA26D3D-D897-4be2-8F04-BA451C77F1D7}">
-              <ma14:placeholderFlag xmlns="" xmlns:ma14="http://schemas.microsoft.com/office/mac/drawingml/2011/main" val="1"/>
+              <ma14:placeholderFlag xmlns:ma14="http://schemas.microsoft.com/office/mac/drawingml/2011/main" xmlns="" val="1"/>
             </a:ext>
           </a:extLst>
         </p:spPr>
@@ -1112,7 +1112,7 @@
           <a:ln/>
           <a:extLst>
             <a:ext uri="{FAA26D3D-D897-4be2-8F04-BA451C77F1D7}">
-              <ma14:placeholderFlag xmlns="" xmlns:ma14="http://schemas.microsoft.com/office/mac/drawingml/2011/main" val="1"/>
+              <ma14:placeholderFlag xmlns:ma14="http://schemas.microsoft.com/office/mac/drawingml/2011/main" xmlns="" val="1"/>
             </a:ext>
           </a:extLst>
         </p:spPr>
@@ -1206,7 +1206,7 @@
           <a:ln/>
           <a:extLst>
             <a:ext uri="{FAA26D3D-D897-4be2-8F04-BA451C77F1D7}">
-              <ma14:placeholderFlag xmlns="" xmlns:ma14="http://schemas.microsoft.com/office/mac/drawingml/2011/main" val="1"/>
+              <ma14:placeholderFlag xmlns:ma14="http://schemas.microsoft.com/office/mac/drawingml/2011/main" xmlns="" val="1"/>
             </a:ext>
           </a:extLst>
         </p:spPr>
@@ -1287,7 +1287,7 @@
           </a:ln>
           <a:extLst>
             <a:ext uri="{909E8E84-426E-40dd-AFC4-6F175D3DCCD1}">
-              <a14:hiddenFill xmlns="" xmlns:a14="http://schemas.microsoft.com/office/drawing/2010/main">
+              <a14:hiddenFill xmlns:a14="http://schemas.microsoft.com/office/drawing/2010/main" xmlns="">
                 <a:solidFill>
                   <a:srgbClr val="FFFFFF"/>
                 </a:solidFill>
@@ -1342,7 +1342,7 @@
           </a:ln>
           <a:extLst>
             <a:ext uri="{91240B29-F687-4f45-9708-019B960494DF}">
-              <a14:hiddenLine xmlns="" xmlns:a14="http://schemas.microsoft.com/office/drawing/2010/main" w="9525">
+              <a14:hiddenLine xmlns:a14="http://schemas.microsoft.com/office/drawing/2010/main" xmlns="" w="9525">
                 <a:solidFill>
                   <a:srgbClr val="000000"/>
                 </a:solidFill>
@@ -1407,7 +1407,7 @@
           </a:ln>
           <a:extLst>
             <a:ext uri="{91240B29-F687-4f45-9708-019B960494DF}">
-              <a14:hiddenLine xmlns="" xmlns:a14="http://schemas.microsoft.com/office/drawing/2010/main" w="9525">
+              <a14:hiddenLine xmlns:a14="http://schemas.microsoft.com/office/drawing/2010/main" xmlns="" w="9525">
                 <a:solidFill>
                   <a:srgbClr val="000000"/>
                 </a:solidFill>
@@ -1475,14 +1475,14 @@
           </a:ln>
           <a:extLst>
             <a:ext uri="{909E8E84-426E-40dd-AFC4-6F175D3DCCD1}">
-              <a14:hiddenFill xmlns="" xmlns:a14="http://schemas.microsoft.com/office/drawing/2010/main">
+              <a14:hiddenFill xmlns:a14="http://schemas.microsoft.com/office/drawing/2010/main" xmlns="">
                 <a:solidFill>
                   <a:srgbClr val="FFFFFF"/>
                 </a:solidFill>
               </a14:hiddenFill>
             </a:ext>
             <a:ext uri="{91240B29-F687-4f45-9708-019B960494DF}">
-              <a14:hiddenLine xmlns="" xmlns:a14="http://schemas.microsoft.com/office/drawing/2010/main" w="9525">
+              <a14:hiddenLine xmlns:a14="http://schemas.microsoft.com/office/drawing/2010/main" xmlns="" w="9525">
                 <a:solidFill>
                   <a:srgbClr val="000000"/>
                 </a:solidFill>
@@ -1529,14 +1529,14 @@
           </a:ln>
           <a:extLst>
             <a:ext uri="{909E8E84-426E-40dd-AFC4-6F175D3DCCD1}">
-              <a14:hiddenFill xmlns="" xmlns:a14="http://schemas.microsoft.com/office/drawing/2010/main">
+              <a14:hiddenFill xmlns:a14="http://schemas.microsoft.com/office/drawing/2010/main" xmlns="">
                 <a:solidFill>
                   <a:srgbClr val="FFFFFF"/>
                 </a:solidFill>
               </a14:hiddenFill>
             </a:ext>
             <a:ext uri="{91240B29-F687-4f45-9708-019B960494DF}">
-              <a14:hiddenLine xmlns="" xmlns:a14="http://schemas.microsoft.com/office/drawing/2010/main" w="9525">
+              <a14:hiddenLine xmlns:a14="http://schemas.microsoft.com/office/drawing/2010/main" xmlns="" w="9525">
                 <a:solidFill>
                   <a:srgbClr val="000000"/>
                 </a:solidFill>
@@ -1583,14 +1583,14 @@
           </a:ln>
           <a:extLst>
             <a:ext uri="{909E8E84-426E-40dd-AFC4-6F175D3DCCD1}">
-              <a14:hiddenFill xmlns="" xmlns:a14="http://schemas.microsoft.com/office/drawing/2010/main">
+              <a14:hiddenFill xmlns:a14="http://schemas.microsoft.com/office/drawing/2010/main" xmlns="">
                 <a:solidFill>
                   <a:srgbClr val="FFFFFF"/>
                 </a:solidFill>
               </a14:hiddenFill>
             </a:ext>
             <a:ext uri="{91240B29-F687-4f45-9708-019B960494DF}">
-              <a14:hiddenLine xmlns="" xmlns:a14="http://schemas.microsoft.com/office/drawing/2010/main" w="9525">
+              <a14:hiddenLine xmlns:a14="http://schemas.microsoft.com/office/drawing/2010/main" xmlns="" w="9525">
                 <a:solidFill>
                   <a:srgbClr val="000000"/>
                 </a:solidFill>
@@ -1637,14 +1637,14 @@
           </a:ln>
           <a:extLst>
             <a:ext uri="{909E8E84-426E-40dd-AFC4-6F175D3DCCD1}">
-              <a14:hiddenFill xmlns="" xmlns:a14="http://schemas.microsoft.com/office/drawing/2010/main">
+              <a14:hiddenFill xmlns:a14="http://schemas.microsoft.com/office/drawing/2010/main" xmlns="">
                 <a:solidFill>
                   <a:srgbClr val="FFFFFF"/>
                 </a:solidFill>
               </a14:hiddenFill>
             </a:ext>
             <a:ext uri="{91240B29-F687-4f45-9708-019B960494DF}">
-              <a14:hiddenLine xmlns="" xmlns:a14="http://schemas.microsoft.com/office/drawing/2010/main" w="9525">
+              <a14:hiddenLine xmlns:a14="http://schemas.microsoft.com/office/drawing/2010/main" xmlns="" w="9525">
                 <a:solidFill>
                   <a:srgbClr val="000000"/>
                 </a:solidFill>
@@ -3282,7 +3282,7 @@
           </a:ln>
           <a:extLst>
             <a:ext uri="{91240B29-F687-4f45-9708-019B960494DF}">
-              <a14:hiddenLine xmlns="" xmlns:a14="http://schemas.microsoft.com/office/drawing/2010/main" w="9525">
+              <a14:hiddenLine xmlns:a14="http://schemas.microsoft.com/office/drawing/2010/main" xmlns="" w="9525">
                 <a:solidFill>
                   <a:srgbClr val="000000"/>
                 </a:solidFill>
@@ -3347,7 +3347,7 @@
           </a:ln>
           <a:extLst>
             <a:ext uri="{91240B29-F687-4f45-9708-019B960494DF}">
-              <a14:hiddenLine xmlns="" xmlns:a14="http://schemas.microsoft.com/office/drawing/2010/main" w="9525">
+              <a14:hiddenLine xmlns:a14="http://schemas.microsoft.com/office/drawing/2010/main" xmlns="" w="9525">
                 <a:solidFill>
                   <a:srgbClr val="000000"/>
                 </a:solidFill>
@@ -3404,17 +3404,17 @@
           </a:ln>
           <a:extLst>
             <a:ext uri="{FAA26D3D-D897-4be2-8F04-BA451C77F1D7}">
-              <ma14:placeholderFlag xmlns="" xmlns:ma14="http://schemas.microsoft.com/office/mac/drawingml/2011/main" val="1"/>
+              <ma14:placeholderFlag xmlns:ma14="http://schemas.microsoft.com/office/mac/drawingml/2011/main" xmlns="" val="1"/>
             </a:ext>
             <a:ext uri="{909E8E84-426E-40dd-AFC4-6F175D3DCCD1}">
-              <a14:hiddenFill xmlns="" xmlns:a14="http://schemas.microsoft.com/office/drawing/2010/main">
+              <a14:hiddenFill xmlns:a14="http://schemas.microsoft.com/office/drawing/2010/main" xmlns="">
                 <a:solidFill>
                   <a:srgbClr val="FFFFFF"/>
                 </a:solidFill>
               </a14:hiddenFill>
             </a:ext>
             <a:ext uri="{91240B29-F687-4f45-9708-019B960494DF}">
-              <a14:hiddenLine xmlns="" xmlns:a14="http://schemas.microsoft.com/office/drawing/2010/main" w="9525">
+              <a14:hiddenLine xmlns:a14="http://schemas.microsoft.com/office/drawing/2010/main" xmlns="" w="9525">
                 <a:solidFill>
                   <a:srgbClr val="000000"/>
                 </a:solidFill>
@@ -3465,17 +3465,17 @@
           </a:ln>
           <a:extLst>
             <a:ext uri="{FAA26D3D-D897-4be2-8F04-BA451C77F1D7}">
-              <ma14:placeholderFlag xmlns="" xmlns:ma14="http://schemas.microsoft.com/office/mac/drawingml/2011/main" val="1"/>
+              <ma14:placeholderFlag xmlns:ma14="http://schemas.microsoft.com/office/mac/drawingml/2011/main" xmlns="" val="1"/>
             </a:ext>
             <a:ext uri="{909E8E84-426E-40dd-AFC4-6F175D3DCCD1}">
-              <a14:hiddenFill xmlns="" xmlns:a14="http://schemas.microsoft.com/office/drawing/2010/main">
+              <a14:hiddenFill xmlns:a14="http://schemas.microsoft.com/office/drawing/2010/main" xmlns="">
                 <a:solidFill>
                   <a:srgbClr val="FFFFFF"/>
                 </a:solidFill>
               </a14:hiddenFill>
             </a:ext>
             <a:ext uri="{91240B29-F687-4f45-9708-019B960494DF}">
-              <a14:hiddenLine xmlns="" xmlns:a14="http://schemas.microsoft.com/office/drawing/2010/main" w="9525">
+              <a14:hiddenLine xmlns:a14="http://schemas.microsoft.com/office/drawing/2010/main" xmlns="" w="9525">
                 <a:solidFill>
                   <a:srgbClr val="000000"/>
                 </a:solidFill>
@@ -3565,14 +3565,14 @@
           </a:ln>
           <a:extLst>
             <a:ext uri="{909E8E84-426E-40dd-AFC4-6F175D3DCCD1}">
-              <a14:hiddenFill xmlns="" xmlns:a14="http://schemas.microsoft.com/office/drawing/2010/main">
+              <a14:hiddenFill xmlns:a14="http://schemas.microsoft.com/office/drawing/2010/main" xmlns="">
                 <a:solidFill>
                   <a:srgbClr val="FFFFFF"/>
                 </a:solidFill>
               </a14:hiddenFill>
             </a:ext>
             <a:ext uri="{91240B29-F687-4f45-9708-019B960494DF}">
-              <a14:hiddenLine xmlns="" xmlns:a14="http://schemas.microsoft.com/office/drawing/2010/main" w="9525">
+              <a14:hiddenLine xmlns:a14="http://schemas.microsoft.com/office/drawing/2010/main" xmlns="" w="9525">
                 <a:solidFill>
                   <a:srgbClr val="000000"/>
                 </a:solidFill>
@@ -3619,14 +3619,14 @@
           </a:ln>
           <a:extLst>
             <a:ext uri="{909E8E84-426E-40dd-AFC4-6F175D3DCCD1}">
-              <a14:hiddenFill xmlns="" xmlns:a14="http://schemas.microsoft.com/office/drawing/2010/main">
+              <a14:hiddenFill xmlns:a14="http://schemas.microsoft.com/office/drawing/2010/main" xmlns="">
                 <a:solidFill>
                   <a:srgbClr val="FFFFFF"/>
                 </a:solidFill>
               </a14:hiddenFill>
             </a:ext>
             <a:ext uri="{91240B29-F687-4f45-9708-019B960494DF}">
-              <a14:hiddenLine xmlns="" xmlns:a14="http://schemas.microsoft.com/office/drawing/2010/main" w="9525">
+              <a14:hiddenLine xmlns:a14="http://schemas.microsoft.com/office/drawing/2010/main" xmlns="" w="9525">
                 <a:solidFill>
                   <a:srgbClr val="000000"/>
                 </a:solidFill>
@@ -3673,14 +3673,14 @@
           </a:ln>
           <a:extLst>
             <a:ext uri="{909E8E84-426E-40dd-AFC4-6F175D3DCCD1}">
-              <a14:hiddenFill xmlns="" xmlns:a14="http://schemas.microsoft.com/office/drawing/2010/main">
+              <a14:hiddenFill xmlns:a14="http://schemas.microsoft.com/office/drawing/2010/main" xmlns="">
                 <a:solidFill>
                   <a:srgbClr val="FFFFFF"/>
                 </a:solidFill>
               </a14:hiddenFill>
             </a:ext>
             <a:ext uri="{91240B29-F687-4f45-9708-019B960494DF}">
-              <a14:hiddenLine xmlns="" xmlns:a14="http://schemas.microsoft.com/office/drawing/2010/main" w="9525">
+              <a14:hiddenLine xmlns:a14="http://schemas.microsoft.com/office/drawing/2010/main" xmlns="" w="9525">
                 <a:solidFill>
                   <a:srgbClr val="000000"/>
                 </a:solidFill>
@@ -4414,7 +4414,15 @@
           <a:p>
             <a:r>
               <a:rPr lang="en-US" dirty="0"/>
-              <a:t>Assignment 30%</a:t>
+              <a:t>Assignment </a:t>
+            </a:r>
+            <a:r>
+              <a:rPr lang="en-US" altLang="zh-CN" dirty="0"/>
+              <a:t>3</a:t>
+            </a:r>
+            <a:r>
+              <a:rPr lang="en-US" dirty="0"/>
+              <a:t>0%</a:t>
             </a:r>
           </a:p>
           <a:p>
@@ -4438,7 +4446,7 @@
             </a:r>
             <a:r>
               <a:rPr lang="en-US" altLang="zh-CN" dirty="0"/>
-              <a:t>20%</a:t>
+              <a:t>30%</a:t>
             </a:r>
           </a:p>
           <a:p>
@@ -4463,7 +4471,23 @@
           <a:p>
             <a:r>
               <a:rPr lang="en-US" dirty="0"/>
-              <a:t>Final Exam 50%</a:t>
+              <a:t>Final </a:t>
+            </a:r>
+            <a:r>
+              <a:rPr lang="en-US"/>
+              <a:t>Exam </a:t>
+            </a:r>
+            <a:r>
+              <a:rPr lang="en-US" altLang="zh-CN"/>
+              <a:t>4</a:t>
+            </a:r>
+            <a:r>
+              <a:rPr lang="en-US"/>
+              <a:t>0</a:t>
+            </a:r>
+            <a:r>
+              <a:rPr lang="en-US" dirty="0"/>
+              <a:t>%</a:t>
             </a:r>
           </a:p>
         </p:txBody>
@@ -4732,14 +4756,14 @@
           <a:effectLst/>
           <a:extLst>
             <a:ext uri="{909E8E84-426E-40dd-AFC4-6F175D3DCCD1}">
-              <a14:hiddenFill xmlns="" xmlns:a14="http://schemas.microsoft.com/office/drawing/2010/main">
+              <a14:hiddenFill xmlns:a14="http://schemas.microsoft.com/office/drawing/2010/main" xmlns="">
                 <a:solidFill>
                   <a:srgbClr val="FFFFFF"/>
                 </a:solidFill>
               </a14:hiddenFill>
             </a:ext>
             <a:ext uri="{91240B29-F687-4f45-9708-019B960494DF}">
-              <a14:hiddenLine xmlns="" xmlns:a14="http://schemas.microsoft.com/office/drawing/2010/main" w="9525">
+              <a14:hiddenLine xmlns:a14="http://schemas.microsoft.com/office/drawing/2010/main" xmlns="" w="9525">
                 <a:solidFill>
                   <a:schemeClr val="tx1"/>
                 </a:solidFill>
@@ -4749,7 +4773,7 @@
               </a14:hiddenLine>
             </a:ext>
             <a:ext uri="{AF507438-7753-43e0-B8FC-AC1667EBCBE1}">
-              <a14:hiddenEffects xmlns="" xmlns:a14="http://schemas.microsoft.com/office/drawing/2010/main">
+              <a14:hiddenEffects xmlns:a14="http://schemas.microsoft.com/office/drawing/2010/main" xmlns="">
                 <a:effectLst>
                   <a:outerShdw blurRad="63500" dist="38099" dir="2700000" algn="ctr" rotWithShape="0">
                     <a:schemeClr val="bg2">
